--- a/Docs/dsifinal-presensation.pptx
+++ b/Docs/dsifinal-presensation.pptx
@@ -1075,15 +1075,24 @@
       </dgm:t>
     </dgm:pt>
     <dgm:pt modelId="{778006FF-FEF1-411F-A30D-97610A08C3B3}">
-      <dgm:prSet/>
+      <dgm:prSet custT="1"/>
       <dgm:spPr/>
       <dgm:t>
         <a:bodyPr/>
         <a:lstStyle/>
         <a:p>
+          <a:pPr>
+            <a:lnSpc>
+              <a:spcPct val="100000"/>
+            </a:lnSpc>
+          </a:pPr>
           <a:r>
-            <a:rPr lang="en-US"/>
-            <a:t>Question:</a:t>
+            <a:rPr lang="en-US" sz="2000" b="1" dirty="0"/>
+            <a:t>Question</a:t>
+          </a:r>
+          <a:r>
+            <a:rPr lang="en-US" sz="2000" dirty="0"/>
+            <a:t>: How does the source of net flows of agricultural capital flows influence the availability of food in  West African countries?</a:t>
           </a:r>
         </a:p>
       </dgm:t>
@@ -1106,56 +1115,34 @@
         <a:bodyPr/>
         <a:lstStyle/>
         <a:p>
+          <a:pPr>
+            <a:lnSpc>
+              <a:spcPct val="100000"/>
+            </a:lnSpc>
+          </a:pPr>
           <a:endParaRPr lang="en-US"/>
         </a:p>
       </dgm:t>
     </dgm:pt>
-    <dgm:pt modelId="{3ADFE526-9177-481E-9E36-162F24AFD7D7}">
-      <dgm:prSet/>
+    <dgm:pt modelId="{383F8A4D-B39F-4B2B-9796-E655D83AB732}">
+      <dgm:prSet custT="1"/>
       <dgm:spPr/>
       <dgm:t>
         <a:bodyPr/>
         <a:lstStyle/>
         <a:p>
+          <a:pPr>
+            <a:lnSpc>
+              <a:spcPct val="100000"/>
+            </a:lnSpc>
+          </a:pPr>
           <a:r>
-            <a:rPr lang="en-US"/>
-            <a:t>How does the source of net flows of agricultural capital flows influence the availability of food in countries of West Africa?</a:t>
+            <a:rPr lang="en-US" sz="2000" b="1" dirty="0"/>
+            <a:t>Hypothesis</a:t>
           </a:r>
-        </a:p>
-      </dgm:t>
-    </dgm:pt>
-    <dgm:pt modelId="{960051DA-B94B-421D-8F57-4155654E0547}" type="parTrans" cxnId="{8A385EAE-5089-4451-A89A-B2B0E9728298}">
-      <dgm:prSet/>
-      <dgm:spPr/>
-      <dgm:t>
-        <a:bodyPr/>
-        <a:lstStyle/>
-        <a:p>
-          <a:endParaRPr lang="en-US"/>
-        </a:p>
-      </dgm:t>
-    </dgm:pt>
-    <dgm:pt modelId="{B3F2A68C-0FF8-481F-A1EC-BFF17F955187}" type="sibTrans" cxnId="{8A385EAE-5089-4451-A89A-B2B0E9728298}">
-      <dgm:prSet/>
-      <dgm:spPr/>
-      <dgm:t>
-        <a:bodyPr/>
-        <a:lstStyle/>
-        <a:p>
-          <a:endParaRPr lang="en-US"/>
-        </a:p>
-      </dgm:t>
-    </dgm:pt>
-    <dgm:pt modelId="{383F8A4D-B39F-4B2B-9796-E655D83AB732}">
-      <dgm:prSet/>
-      <dgm:spPr/>
-      <dgm:t>
-        <a:bodyPr/>
-        <a:lstStyle/>
-        <a:p>
           <a:r>
-            <a:rPr lang="en-US"/>
-            <a:t>Hypothesis:</a:t>
+            <a:rPr lang="en-US" sz="2000" b="0" dirty="0"/>
+            <a:t>:  A positive net flow of agricultural capital flows increases the availability of food in West African countries.</a:t>
           </a:r>
         </a:p>
       </dgm:t>
@@ -1205,11 +1192,11 @@
       <dgm:spPr/>
     </dgm:pt>
     <dgm:pt modelId="{AFA3A951-4FFA-4A26-AF36-69B09114C9D2}" type="pres">
-      <dgm:prSet presAssocID="{778006FF-FEF1-411F-A30D-97610A08C3B3}" presName="iconBgRect" presStyleLbl="bgShp" presStyleIdx="0" presStyleCnt="3"/>
+      <dgm:prSet presAssocID="{778006FF-FEF1-411F-A30D-97610A08C3B3}" presName="iconBgRect" presStyleLbl="bgShp" presStyleIdx="0" presStyleCnt="2"/>
       <dgm:spPr/>
     </dgm:pt>
     <dgm:pt modelId="{7EED1EA2-7165-46BB-ABEA-689D03B5C40E}" type="pres">
-      <dgm:prSet presAssocID="{778006FF-FEF1-411F-A30D-97610A08C3B3}" presName="iconRect" presStyleLbl="node1" presStyleIdx="0" presStyleCnt="3"/>
+      <dgm:prSet presAssocID="{778006FF-FEF1-411F-A30D-97610A08C3B3}" presName="iconRect" presStyleLbl="node1" presStyleIdx="0" presStyleCnt="2"/>
       <dgm:spPr>
         <a:blipFill>
           <a:blip xmlns:r="http://schemas.openxmlformats.org/officeDocument/2006/relationships" r:embed="rId1">
@@ -1241,7 +1228,7 @@
       <dgm:spPr/>
     </dgm:pt>
     <dgm:pt modelId="{0A96BC17-8B66-4D85-B20C-D5B58A7A1C30}" type="pres">
-      <dgm:prSet presAssocID="{778006FF-FEF1-411F-A30D-97610A08C3B3}" presName="textRect" presStyleLbl="revTx" presStyleIdx="0" presStyleCnt="3">
+      <dgm:prSet presAssocID="{778006FF-FEF1-411F-A30D-97610A08C3B3}" presName="textRect" presStyleLbl="revTx" presStyleIdx="0" presStyleCnt="2">
         <dgm:presLayoutVars>
           <dgm:chMax val="1"/>
           <dgm:chPref val="1"/>
@@ -1253,16 +1240,16 @@
       <dgm:prSet presAssocID="{C3F6A6E5-5471-439F-B244-14C045B36E85}" presName="sibTrans" presStyleLbl="sibTrans2D1" presStyleIdx="0" presStyleCnt="0"/>
       <dgm:spPr/>
     </dgm:pt>
-    <dgm:pt modelId="{2F8B598C-9B88-4380-B443-8E3C750CD319}" type="pres">
-      <dgm:prSet presAssocID="{3ADFE526-9177-481E-9E36-162F24AFD7D7}" presName="compNode" presStyleCnt="0"/>
+    <dgm:pt modelId="{C18F9B67-3097-4849-A796-406754124C08}" type="pres">
+      <dgm:prSet presAssocID="{383F8A4D-B39F-4B2B-9796-E655D83AB732}" presName="compNode" presStyleCnt="0"/>
       <dgm:spPr/>
     </dgm:pt>
-    <dgm:pt modelId="{95CF8220-6E31-4D46-AA2A-53F1229C258C}" type="pres">
-      <dgm:prSet presAssocID="{3ADFE526-9177-481E-9E36-162F24AFD7D7}" presName="iconBgRect" presStyleLbl="bgShp" presStyleIdx="1" presStyleCnt="3"/>
+    <dgm:pt modelId="{2C48204E-D521-4C5E-8661-070EFA028488}" type="pres">
+      <dgm:prSet presAssocID="{383F8A4D-B39F-4B2B-9796-E655D83AB732}" presName="iconBgRect" presStyleLbl="bgShp" presStyleIdx="1" presStyleCnt="2"/>
       <dgm:spPr/>
     </dgm:pt>
-    <dgm:pt modelId="{575EBB88-BEFA-4AEA-8D78-1B64DBD0BB2D}" type="pres">
-      <dgm:prSet presAssocID="{3ADFE526-9177-481E-9E36-162F24AFD7D7}" presName="iconRect" presStyleLbl="node1" presStyleIdx="1" presStyleCnt="3"/>
+    <dgm:pt modelId="{7C23BD16-58D3-4BA5-BDEB-A43550264B1E}" type="pres">
+      <dgm:prSet presAssocID="{383F8A4D-B39F-4B2B-9796-E655D83AB732}" presName="iconRect" presStyleLbl="node1" presStyleIdx="1" presStyleCnt="2"/>
       <dgm:spPr>
         <a:blipFill>
           <a:blip xmlns:r="http://schemas.openxmlformats.org/officeDocument/2006/relationships" r:embed="rId3">
@@ -1285,59 +1272,6 @@
       </dgm:spPr>
       <dgm:extLst>
         <a:ext uri="{E40237B7-FDA0-4F09-8148-C483321AD2D9}">
-          <dgm14:cNvPr xmlns:dgm14="http://schemas.microsoft.com/office/drawing/2010/diagram" id="0" name="" descr="Asia"/>
-        </a:ext>
-      </dgm:extLst>
-    </dgm:pt>
-    <dgm:pt modelId="{C84978F5-E0B7-4D2F-9E06-09CABD5A588A}" type="pres">
-      <dgm:prSet presAssocID="{3ADFE526-9177-481E-9E36-162F24AFD7D7}" presName="spaceRect" presStyleCnt="0"/>
-      <dgm:spPr/>
-    </dgm:pt>
-    <dgm:pt modelId="{5E418682-61F8-47C7-8240-40FAB7DA0A1C}" type="pres">
-      <dgm:prSet presAssocID="{3ADFE526-9177-481E-9E36-162F24AFD7D7}" presName="textRect" presStyleLbl="revTx" presStyleIdx="1" presStyleCnt="3">
-        <dgm:presLayoutVars>
-          <dgm:chMax val="1"/>
-          <dgm:chPref val="1"/>
-        </dgm:presLayoutVars>
-      </dgm:prSet>
-      <dgm:spPr/>
-    </dgm:pt>
-    <dgm:pt modelId="{1CB3A008-388D-471E-8901-689CD462B8E2}" type="pres">
-      <dgm:prSet presAssocID="{B3F2A68C-0FF8-481F-A1EC-BFF17F955187}" presName="sibTrans" presStyleLbl="sibTrans2D1" presStyleIdx="0" presStyleCnt="0"/>
-      <dgm:spPr/>
-    </dgm:pt>
-    <dgm:pt modelId="{C18F9B67-3097-4849-A796-406754124C08}" type="pres">
-      <dgm:prSet presAssocID="{383F8A4D-B39F-4B2B-9796-E655D83AB732}" presName="compNode" presStyleCnt="0"/>
-      <dgm:spPr/>
-    </dgm:pt>
-    <dgm:pt modelId="{2C48204E-D521-4C5E-8661-070EFA028488}" type="pres">
-      <dgm:prSet presAssocID="{383F8A4D-B39F-4B2B-9796-E655D83AB732}" presName="iconBgRect" presStyleLbl="bgShp" presStyleIdx="2" presStyleCnt="3"/>
-      <dgm:spPr/>
-    </dgm:pt>
-    <dgm:pt modelId="{7C23BD16-58D3-4BA5-BDEB-A43550264B1E}" type="pres">
-      <dgm:prSet presAssocID="{383F8A4D-B39F-4B2B-9796-E655D83AB732}" presName="iconRect" presStyleLbl="node1" presStyleIdx="2" presStyleCnt="3"/>
-      <dgm:spPr>
-        <a:blipFill>
-          <a:blip xmlns:r="http://schemas.openxmlformats.org/officeDocument/2006/relationships" r:embed="rId5">
-            <a:extLst>
-              <a:ext uri="{28A0092B-C50C-407E-A947-70E740481C1C}">
-                <a14:useLocalDpi xmlns:a14="http://schemas.microsoft.com/office/drawing/2010/main" val="0"/>
-              </a:ext>
-              <a:ext uri="{96DAC541-7B7A-43D3-8B79-37D633B846F1}">
-                <asvg:svgBlip xmlns:asvg="http://schemas.microsoft.com/office/drawing/2016/SVG/main" r:embed="rId6"/>
-              </a:ext>
-            </a:extLst>
-          </a:blip>
-          <a:stretch>
-            <a:fillRect/>
-          </a:stretch>
-        </a:blipFill>
-        <a:ln>
-          <a:noFill/>
-        </a:ln>
-      </dgm:spPr>
-      <dgm:extLst>
-        <a:ext uri="{E40237B7-FDA0-4F09-8148-C483321AD2D9}">
           <dgm14:cNvPr xmlns:dgm14="http://schemas.microsoft.com/office/drawing/2010/diagram" id="0" name="" descr="Bug under Magnifying Glass"/>
         </a:ext>
       </dgm:extLst>
@@ -1347,7 +1281,7 @@
       <dgm:spPr/>
     </dgm:pt>
     <dgm:pt modelId="{F766A912-91A8-4F98-A7D4-67FC16F700F0}" type="pres">
-      <dgm:prSet presAssocID="{383F8A4D-B39F-4B2B-9796-E655D83AB732}" presName="textRect" presStyleLbl="revTx" presStyleIdx="2" presStyleCnt="3">
+      <dgm:prSet presAssocID="{383F8A4D-B39F-4B2B-9796-E655D83AB732}" presName="textRect" presStyleLbl="revTx" presStyleIdx="1" presStyleCnt="2">
         <dgm:presLayoutVars>
           <dgm:chMax val="1"/>
           <dgm:chPref val="1"/>
@@ -1357,14 +1291,11 @@
     </dgm:pt>
   </dgm:ptLst>
   <dgm:cxnLst>
-    <dgm:cxn modelId="{8751A30A-B4D3-4084-B8AE-5F8E81B971E0}" type="presOf" srcId="{3ADFE526-9177-481E-9E36-162F24AFD7D7}" destId="{5E418682-61F8-47C7-8240-40FAB7DA0A1C}" srcOrd="0" destOrd="0" presId="urn:microsoft.com/office/officeart/2018/2/layout/IconCircleList"/>
     <dgm:cxn modelId="{EC3C7129-0D35-41F7-B1D7-7BD5116E7E01}" type="presOf" srcId="{C3F6A6E5-5471-439F-B244-14C045B36E85}" destId="{43C34C98-22EF-4F2A-8BB5-8B9DDB0BE114}" srcOrd="0" destOrd="0" presId="urn:microsoft.com/office/officeart/2018/2/layout/IconCircleList"/>
-    <dgm:cxn modelId="{E8DA5636-BD8D-4D9A-9F8E-6D3535435935}" srcId="{D9DDC401-DC18-4D24-BE77-4C2B8D8521A6}" destId="{383F8A4D-B39F-4B2B-9796-E655D83AB732}" srcOrd="2" destOrd="0" parTransId="{669B25CC-0936-4F40-9CE8-9EE6695577BA}" sibTransId="{AAF5E53A-4C2A-48AD-BB04-60AD20D68307}"/>
+    <dgm:cxn modelId="{E8DA5636-BD8D-4D9A-9F8E-6D3535435935}" srcId="{D9DDC401-DC18-4D24-BE77-4C2B8D8521A6}" destId="{383F8A4D-B39F-4B2B-9796-E655D83AB732}" srcOrd="1" destOrd="0" parTransId="{669B25CC-0936-4F40-9CE8-9EE6695577BA}" sibTransId="{AAF5E53A-4C2A-48AD-BB04-60AD20D68307}"/>
     <dgm:cxn modelId="{C54FEE3A-6AF6-4CEC-97BD-E18EB340838F}" srcId="{D9DDC401-DC18-4D24-BE77-4C2B8D8521A6}" destId="{778006FF-FEF1-411F-A30D-97610A08C3B3}" srcOrd="0" destOrd="0" parTransId="{483AA860-9B2F-43C4-9DEF-C2915A49A499}" sibTransId="{C3F6A6E5-5471-439F-B244-14C045B36E85}"/>
     <dgm:cxn modelId="{EC307B64-20A6-4B83-A05C-830BE6196615}" type="presOf" srcId="{383F8A4D-B39F-4B2B-9796-E655D83AB732}" destId="{F766A912-91A8-4F98-A7D4-67FC16F700F0}" srcOrd="0" destOrd="0" presId="urn:microsoft.com/office/officeart/2018/2/layout/IconCircleList"/>
     <dgm:cxn modelId="{71D3BF53-FB33-4321-A660-0C02A21CE9C8}" type="presOf" srcId="{D9DDC401-DC18-4D24-BE77-4C2B8D8521A6}" destId="{5E7F06A9-8476-4890-8843-55F0A18C26E9}" srcOrd="0" destOrd="0" presId="urn:microsoft.com/office/officeart/2018/2/layout/IconCircleList"/>
-    <dgm:cxn modelId="{8A385EAE-5089-4451-A89A-B2B0E9728298}" srcId="{D9DDC401-DC18-4D24-BE77-4C2B8D8521A6}" destId="{3ADFE526-9177-481E-9E36-162F24AFD7D7}" srcOrd="1" destOrd="0" parTransId="{960051DA-B94B-421D-8F57-4155654E0547}" sibTransId="{B3F2A68C-0FF8-481F-A1EC-BFF17F955187}"/>
-    <dgm:cxn modelId="{C99F02B2-6B17-4F8D-987B-E19A5A0F0308}" type="presOf" srcId="{B3F2A68C-0FF8-481F-A1EC-BFF17F955187}" destId="{1CB3A008-388D-471E-8901-689CD462B8E2}" srcOrd="0" destOrd="0" presId="urn:microsoft.com/office/officeart/2018/2/layout/IconCircleList"/>
     <dgm:cxn modelId="{91E1D3D8-5B08-4059-9FBC-7E9C49670868}" type="presOf" srcId="{778006FF-FEF1-411F-A30D-97610A08C3B3}" destId="{0A96BC17-8B66-4D85-B20C-D5B58A7A1C30}" srcOrd="0" destOrd="0" presId="urn:microsoft.com/office/officeart/2018/2/layout/IconCircleList"/>
     <dgm:cxn modelId="{932413C3-0E2B-42E5-8309-43B5EA17C35F}" type="presParOf" srcId="{5E7F06A9-8476-4890-8843-55F0A18C26E9}" destId="{27DBADAC-907B-4A10-84AF-9A6514E0BBF4}" srcOrd="0" destOrd="0" presId="urn:microsoft.com/office/officeart/2018/2/layout/IconCircleList"/>
     <dgm:cxn modelId="{BCFCE6FE-D49A-4B59-8DB0-0426559B2D9A}" type="presParOf" srcId="{27DBADAC-907B-4A10-84AF-9A6514E0BBF4}" destId="{4097C582-B977-47B1-8E17-7FEB9D80E143}" srcOrd="0" destOrd="0" presId="urn:microsoft.com/office/officeart/2018/2/layout/IconCircleList"/>
@@ -1373,13 +1304,7 @@
     <dgm:cxn modelId="{174DD863-A29E-4318-B05E-8DE187CAB9CE}" type="presParOf" srcId="{4097C582-B977-47B1-8E17-7FEB9D80E143}" destId="{31910891-5818-4785-A5B4-006CC7AC6926}" srcOrd="2" destOrd="0" presId="urn:microsoft.com/office/officeart/2018/2/layout/IconCircleList"/>
     <dgm:cxn modelId="{D9D413E6-60E2-4B60-AE22-908FA8222C3E}" type="presParOf" srcId="{4097C582-B977-47B1-8E17-7FEB9D80E143}" destId="{0A96BC17-8B66-4D85-B20C-D5B58A7A1C30}" srcOrd="3" destOrd="0" presId="urn:microsoft.com/office/officeart/2018/2/layout/IconCircleList"/>
     <dgm:cxn modelId="{3D628FC5-381E-4E07-9C10-8DFDF61921BC}" type="presParOf" srcId="{27DBADAC-907B-4A10-84AF-9A6514E0BBF4}" destId="{43C34C98-22EF-4F2A-8BB5-8B9DDB0BE114}" srcOrd="1" destOrd="0" presId="urn:microsoft.com/office/officeart/2018/2/layout/IconCircleList"/>
-    <dgm:cxn modelId="{E92312EA-0C53-4F8B-ABE1-3BBC6115CF59}" type="presParOf" srcId="{27DBADAC-907B-4A10-84AF-9A6514E0BBF4}" destId="{2F8B598C-9B88-4380-B443-8E3C750CD319}" srcOrd="2" destOrd="0" presId="urn:microsoft.com/office/officeart/2018/2/layout/IconCircleList"/>
-    <dgm:cxn modelId="{E44CCF63-82E4-4053-8F0C-3687C3CDF93D}" type="presParOf" srcId="{2F8B598C-9B88-4380-B443-8E3C750CD319}" destId="{95CF8220-6E31-4D46-AA2A-53F1229C258C}" srcOrd="0" destOrd="0" presId="urn:microsoft.com/office/officeart/2018/2/layout/IconCircleList"/>
-    <dgm:cxn modelId="{BE8A2DEC-6796-4D29-A3F9-3296FC418596}" type="presParOf" srcId="{2F8B598C-9B88-4380-B443-8E3C750CD319}" destId="{575EBB88-BEFA-4AEA-8D78-1B64DBD0BB2D}" srcOrd="1" destOrd="0" presId="urn:microsoft.com/office/officeart/2018/2/layout/IconCircleList"/>
-    <dgm:cxn modelId="{677D7101-1C98-4DF5-92C5-4F0D4172F661}" type="presParOf" srcId="{2F8B598C-9B88-4380-B443-8E3C750CD319}" destId="{C84978F5-E0B7-4D2F-9E06-09CABD5A588A}" srcOrd="2" destOrd="0" presId="urn:microsoft.com/office/officeart/2018/2/layout/IconCircleList"/>
-    <dgm:cxn modelId="{9D84B534-B887-4678-866C-7DF425C8E47F}" type="presParOf" srcId="{2F8B598C-9B88-4380-B443-8E3C750CD319}" destId="{5E418682-61F8-47C7-8240-40FAB7DA0A1C}" srcOrd="3" destOrd="0" presId="urn:microsoft.com/office/officeart/2018/2/layout/IconCircleList"/>
-    <dgm:cxn modelId="{CADB860A-245F-4A2F-9F93-BA13A8BA32DD}" type="presParOf" srcId="{27DBADAC-907B-4A10-84AF-9A6514E0BBF4}" destId="{1CB3A008-388D-471E-8901-689CD462B8E2}" srcOrd="3" destOrd="0" presId="urn:microsoft.com/office/officeart/2018/2/layout/IconCircleList"/>
-    <dgm:cxn modelId="{9EBDB064-921C-4150-83A9-1EE4E4062DD3}" type="presParOf" srcId="{27DBADAC-907B-4A10-84AF-9A6514E0BBF4}" destId="{C18F9B67-3097-4849-A796-406754124C08}" srcOrd="4" destOrd="0" presId="urn:microsoft.com/office/officeart/2018/2/layout/IconCircleList"/>
+    <dgm:cxn modelId="{9EBDB064-921C-4150-83A9-1EE4E4062DD3}" type="presParOf" srcId="{27DBADAC-907B-4A10-84AF-9A6514E0BBF4}" destId="{C18F9B67-3097-4849-A796-406754124C08}" srcOrd="2" destOrd="0" presId="urn:microsoft.com/office/officeart/2018/2/layout/IconCircleList"/>
     <dgm:cxn modelId="{107AE156-008A-4FAC-84DC-6921994A3C42}" type="presParOf" srcId="{C18F9B67-3097-4849-A796-406754124C08}" destId="{2C48204E-D521-4C5E-8661-070EFA028488}" srcOrd="0" destOrd="0" presId="urn:microsoft.com/office/officeart/2018/2/layout/IconCircleList"/>
     <dgm:cxn modelId="{769CD8C2-B792-4E6D-8119-684037E74F07}" type="presParOf" srcId="{C18F9B67-3097-4849-A796-406754124C08}" destId="{7C23BD16-58D3-4BA5-BDEB-A43550264B1E}" srcOrd="1" destOrd="0" presId="urn:microsoft.com/office/officeart/2018/2/layout/IconCircleList"/>
     <dgm:cxn modelId="{83200A6A-AAF2-47D5-BCD7-E423444FCCEE}" type="presParOf" srcId="{C18F9B67-3097-4849-A796-406754124C08}" destId="{2081B640-6A84-4F51-BCA4-6B200A976CA8}" srcOrd="2" destOrd="0" presId="urn:microsoft.com/office/officeart/2018/2/layout/IconCircleList"/>
@@ -1410,8 +1335,8 @@
       </dsp:nvSpPr>
       <dsp:spPr>
         <a:xfrm>
-          <a:off x="12366" y="1049209"/>
-          <a:ext cx="888998" cy="888998"/>
+          <a:off x="709068" y="907110"/>
+          <a:ext cx="1173197" cy="1173197"/>
         </a:xfrm>
         <a:prstGeom prst="ellipse">
           <a:avLst/>
@@ -1449,8 +1374,8 @@
       </dsp:nvSpPr>
       <dsp:spPr>
         <a:xfrm>
-          <a:off x="199056" y="1235899"/>
-          <a:ext cx="515619" cy="515619"/>
+          <a:off x="955439" y="1153481"/>
+          <a:ext cx="680454" cy="680454"/>
         </a:xfrm>
         <a:prstGeom prst="rect">
           <a:avLst/>
@@ -1498,8 +1423,8 @@
       </dsp:nvSpPr>
       <dsp:spPr>
         <a:xfrm>
-          <a:off x="1091865" y="1049209"/>
-          <a:ext cx="2095497" cy="888998"/>
+          <a:off x="2133665" y="907110"/>
+          <a:ext cx="2765395" cy="1173197"/>
         </a:xfrm>
         <a:prstGeom prst="rect">
           <a:avLst/>
@@ -1528,9 +1453,9 @@
         </a:bodyPr>
         <a:lstStyle/>
         <a:p>
-          <a:pPr marL="0" lvl="0" indent="0" algn="l" defTabSz="533400">
+          <a:pPr marL="0" lvl="0" indent="0" algn="l" defTabSz="889000">
             <a:lnSpc>
-              <a:spcPct val="90000"/>
+              <a:spcPct val="100000"/>
             </a:lnSpc>
             <a:spcBef>
               <a:spcPct val="0"/>
@@ -1541,25 +1466,29 @@
             <a:buNone/>
           </a:pPr>
           <a:r>
-            <a:rPr lang="en-US" sz="1200" kern="1200"/>
-            <a:t>Question:</a:t>
+            <a:rPr lang="en-US" sz="2000" b="1" kern="1200" dirty="0"/>
+            <a:t>Question</a:t>
+          </a:r>
+          <a:r>
+            <a:rPr lang="en-US" sz="2000" kern="1200" dirty="0"/>
+            <a:t>: How does the source of net flows of agricultural capital flows influence the availability of food in  West African countries?</a:t>
           </a:r>
         </a:p>
       </dsp:txBody>
       <dsp:txXfrm>
-        <a:off x="1091865" y="1049209"/>
-        <a:ext cx="2095497" cy="888998"/>
+        <a:off x="2133665" y="907110"/>
+        <a:ext cx="2765395" cy="1173197"/>
       </dsp:txXfrm>
     </dsp:sp>
-    <dsp:sp modelId="{95CF8220-6E31-4D46-AA2A-53F1229C258C}">
+    <dsp:sp modelId="{2C48204E-D521-4C5E-8661-070EFA028488}">
       <dsp:nvSpPr>
         <dsp:cNvPr id="0" name=""/>
         <dsp:cNvSpPr/>
       </dsp:nvSpPr>
       <dsp:spPr>
         <a:xfrm>
-          <a:off x="3552487" y="1049209"/>
-          <a:ext cx="888998" cy="888998"/>
+          <a:off x="5380910" y="907110"/>
+          <a:ext cx="1173197" cy="1173197"/>
         </a:xfrm>
         <a:prstGeom prst="ellipse">
           <a:avLst/>
@@ -1590,15 +1519,15 @@
         <a:fontRef idx="minor"/>
       </dsp:style>
     </dsp:sp>
-    <dsp:sp modelId="{575EBB88-BEFA-4AEA-8D78-1B64DBD0BB2D}">
+    <dsp:sp modelId="{7C23BD16-58D3-4BA5-BDEB-A43550264B1E}">
       <dsp:nvSpPr>
         <dsp:cNvPr id="0" name=""/>
         <dsp:cNvSpPr/>
       </dsp:nvSpPr>
       <dsp:spPr>
         <a:xfrm>
-          <a:off x="3739177" y="1235899"/>
-          <a:ext cx="515619" cy="515619"/>
+          <a:off x="5627281" y="1153481"/>
+          <a:ext cx="680454" cy="680454"/>
         </a:xfrm>
         <a:prstGeom prst="rect">
           <a:avLst/>
@@ -1639,15 +1568,15 @@
         </a:fontRef>
       </dsp:style>
     </dsp:sp>
-    <dsp:sp modelId="{5E418682-61F8-47C7-8240-40FAB7DA0A1C}">
+    <dsp:sp modelId="{F766A912-91A8-4F98-A7D4-67FC16F700F0}">
       <dsp:nvSpPr>
         <dsp:cNvPr id="0" name=""/>
         <dsp:cNvSpPr/>
       </dsp:nvSpPr>
       <dsp:spPr>
         <a:xfrm>
-          <a:off x="4631986" y="1049209"/>
-          <a:ext cx="2095497" cy="888998"/>
+          <a:off x="6805507" y="907110"/>
+          <a:ext cx="2765395" cy="1173197"/>
         </a:xfrm>
         <a:prstGeom prst="rect">
           <a:avLst/>
@@ -1676,9 +1605,9 @@
         </a:bodyPr>
         <a:lstStyle/>
         <a:p>
-          <a:pPr marL="0" lvl="0" indent="0" algn="l" defTabSz="533400">
+          <a:pPr marL="0" lvl="0" indent="0" algn="l" defTabSz="889000">
             <a:lnSpc>
-              <a:spcPct val="90000"/>
+              <a:spcPct val="100000"/>
             </a:lnSpc>
             <a:spcBef>
               <a:spcPct val="0"/>
@@ -1689,162 +1618,18 @@
             <a:buNone/>
           </a:pPr>
           <a:r>
-            <a:rPr lang="en-US" sz="1200" kern="1200"/>
-            <a:t>How does the source of net flows of agricultural capital flows influence the availability of food in countries of West Africa?</a:t>
+            <a:rPr lang="en-US" sz="2000" b="1" kern="1200" dirty="0"/>
+            <a:t>Hypothesis</a:t>
+          </a:r>
+          <a:r>
+            <a:rPr lang="en-US" sz="2000" b="0" kern="1200" dirty="0"/>
+            <a:t>:  A positive net flow of agricultural capital flows increases the availability of food in West African countries.</a:t>
           </a:r>
         </a:p>
       </dsp:txBody>
       <dsp:txXfrm>
-        <a:off x="4631986" y="1049209"/>
-        <a:ext cx="2095497" cy="888998"/>
-      </dsp:txXfrm>
-    </dsp:sp>
-    <dsp:sp modelId="{2C48204E-D521-4C5E-8661-070EFA028488}">
-      <dsp:nvSpPr>
-        <dsp:cNvPr id="0" name=""/>
-        <dsp:cNvSpPr/>
-      </dsp:nvSpPr>
-      <dsp:spPr>
-        <a:xfrm>
-          <a:off x="7092608" y="1049209"/>
-          <a:ext cx="888998" cy="888998"/>
-        </a:xfrm>
-        <a:prstGeom prst="ellipse">
-          <a:avLst/>
-        </a:prstGeom>
-        <a:solidFill>
-          <a:schemeClr val="accent4">
-            <a:hueOff val="0"/>
-            <a:satOff val="0"/>
-            <a:lumOff val="0"/>
-            <a:alphaOff val="0"/>
-          </a:schemeClr>
-        </a:solidFill>
-        <a:ln>
-          <a:noFill/>
-        </a:ln>
-        <a:effectLst/>
-      </dsp:spPr>
-      <dsp:style>
-        <a:lnRef idx="0">
-          <a:scrgbClr r="0" g="0" b="0"/>
-        </a:lnRef>
-        <a:fillRef idx="1">
-          <a:scrgbClr r="0" g="0" b="0"/>
-        </a:fillRef>
-        <a:effectRef idx="0">
-          <a:scrgbClr r="0" g="0" b="0"/>
-        </a:effectRef>
-        <a:fontRef idx="minor"/>
-      </dsp:style>
-    </dsp:sp>
-    <dsp:sp modelId="{7C23BD16-58D3-4BA5-BDEB-A43550264B1E}">
-      <dsp:nvSpPr>
-        <dsp:cNvPr id="0" name=""/>
-        <dsp:cNvSpPr/>
-      </dsp:nvSpPr>
-      <dsp:spPr>
-        <a:xfrm>
-          <a:off x="7279298" y="1235899"/>
-          <a:ext cx="515619" cy="515619"/>
-        </a:xfrm>
-        <a:prstGeom prst="rect">
-          <a:avLst/>
-        </a:prstGeom>
-        <a:blipFill>
-          <a:blip xmlns:r="http://schemas.openxmlformats.org/officeDocument/2006/relationships" r:embed="rId5">
-            <a:extLst>
-              <a:ext uri="{28A0092B-C50C-407E-A947-70E740481C1C}">
-                <a14:useLocalDpi xmlns:a14="http://schemas.microsoft.com/office/drawing/2010/main" val="0"/>
-              </a:ext>
-              <a:ext uri="{96DAC541-7B7A-43D3-8B79-37D633B846F1}">
-                <asvg:svgBlip xmlns:asvg="http://schemas.microsoft.com/office/drawing/2016/SVG/main" r:embed="rId6"/>
-              </a:ext>
-            </a:extLst>
-          </a:blip>
-          <a:stretch>
-            <a:fillRect/>
-          </a:stretch>
-        </a:blipFill>
-        <a:ln w="12700" cap="flat" cmpd="sng" algn="in">
-          <a:noFill/>
-          <a:prstDash val="solid"/>
-        </a:ln>
-        <a:effectLst/>
-      </dsp:spPr>
-      <dsp:style>
-        <a:lnRef idx="2">
-          <a:scrgbClr r="0" g="0" b="0"/>
-        </a:lnRef>
-        <a:fillRef idx="1">
-          <a:scrgbClr r="0" g="0" b="0"/>
-        </a:fillRef>
-        <a:effectRef idx="0">
-          <a:scrgbClr r="0" g="0" b="0"/>
-        </a:effectRef>
-        <a:fontRef idx="minor">
-          <a:schemeClr val="lt1"/>
-        </a:fontRef>
-      </dsp:style>
-    </dsp:sp>
-    <dsp:sp modelId="{F766A912-91A8-4F98-A7D4-67FC16F700F0}">
-      <dsp:nvSpPr>
-        <dsp:cNvPr id="0" name=""/>
-        <dsp:cNvSpPr/>
-      </dsp:nvSpPr>
-      <dsp:spPr>
-        <a:xfrm>
-          <a:off x="8172107" y="1049209"/>
-          <a:ext cx="2095497" cy="888998"/>
-        </a:xfrm>
-        <a:prstGeom prst="rect">
-          <a:avLst/>
-        </a:prstGeom>
-        <a:noFill/>
-        <a:ln>
-          <a:noFill/>
-        </a:ln>
-        <a:effectLst/>
-      </dsp:spPr>
-      <dsp:style>
-        <a:lnRef idx="0">
-          <a:scrgbClr r="0" g="0" b="0"/>
-        </a:lnRef>
-        <a:fillRef idx="0">
-          <a:scrgbClr r="0" g="0" b="0"/>
-        </a:fillRef>
-        <a:effectRef idx="0">
-          <a:scrgbClr r="0" g="0" b="0"/>
-        </a:effectRef>
-        <a:fontRef idx="minor"/>
-      </dsp:style>
-      <dsp:txBody>
-        <a:bodyPr spcFirstLastPara="0" vert="horz" wrap="square" lIns="0" tIns="0" rIns="0" bIns="0" numCol="1" spcCol="1270" anchor="ctr" anchorCtr="0">
-          <a:noAutofit/>
-        </a:bodyPr>
-        <a:lstStyle/>
-        <a:p>
-          <a:pPr marL="0" lvl="0" indent="0" algn="l" defTabSz="533400">
-            <a:lnSpc>
-              <a:spcPct val="90000"/>
-            </a:lnSpc>
-            <a:spcBef>
-              <a:spcPct val="0"/>
-            </a:spcBef>
-            <a:spcAft>
-              <a:spcPct val="35000"/>
-            </a:spcAft>
-            <a:buNone/>
-          </a:pPr>
-          <a:r>
-            <a:rPr lang="en-US" sz="1200" kern="1200"/>
-            <a:t>Hypothesis:</a:t>
-          </a:r>
-        </a:p>
-      </dsp:txBody>
-      <dsp:txXfrm>
-        <a:off x="8172107" y="1049209"/>
-        <a:ext cx="2095497" cy="888998"/>
+        <a:off x="6805507" y="907110"/>
+        <a:ext cx="2765395" cy="1173197"/>
       </dsp:txXfrm>
     </dsp:sp>
   </dsp:spTree>
@@ -8303,9 +8088,8 @@
             </a:pPr>
             <a:r>
               <a:rPr lang="en-US" dirty="0"/>
-              <a:t>Bryce</a:t>
+              <a:t>Bryce Leary</a:t>
             </a:r>
-            <a:endParaRPr lang="en-US"/>
           </a:p>
           <a:p>
             <a:pPr indent="-283464">
@@ -8318,9 +8102,13 @@
             </a:pPr>
             <a:r>
               <a:rPr lang="en-US" dirty="0"/>
-              <a:t>Carine</a:t>
+              <a:t>Carine </a:t>
             </a:r>
-            <a:endParaRPr lang="en-US"/>
+            <a:r>
+              <a:rPr lang="en-US" dirty="0" err="1"/>
+              <a:t>Ayidehou</a:t>
+            </a:r>
+            <a:endParaRPr lang="en-US" dirty="0"/>
           </a:p>
           <a:p>
             <a:pPr indent="-283464">
@@ -8332,8 +8120,12 @@
               </a:spcBef>
             </a:pPr>
             <a:r>
-              <a:rPr lang="en-US"/>
+              <a:rPr lang="en-US" dirty="0" err="1"/>
               <a:t>Milika</a:t>
+            </a:r>
+            <a:r>
+              <a:rPr lang="en-US" dirty="0"/>
+              <a:t> Robbins</a:t>
             </a:r>
           </a:p>
           <a:p>
@@ -8347,9 +8139,8 @@
             </a:pPr>
             <a:r>
               <a:rPr lang="en-US" dirty="0"/>
-              <a:t>Zeinabou</a:t>
+              <a:t>Zeinabou Saidou Baraze</a:t>
             </a:r>
-            <a:endParaRPr lang="en-US"/>
           </a:p>
         </p:txBody>
       </p:sp>
@@ -9057,7 +8848,7 @@
         </p:spPr>
         <p:txBody>
           <a:bodyPr>
-            <a:normAutofit/>
+            <a:noAutofit/>
           </a:bodyPr>
           <a:lstStyle/>
           <a:p>
@@ -9067,7 +8858,7 @@
               </a:lnSpc>
             </a:pPr>
             <a:r>
-              <a:rPr lang="en-US" sz="1400" dirty="0"/>
+              <a:rPr lang="en-US" dirty="0"/>
               <a:t>Completed a hierarchical agglomerative cluster method</a:t>
             </a:r>
           </a:p>
@@ -9078,7 +8869,7 @@
               </a:lnSpc>
             </a:pPr>
             <a:r>
-              <a:rPr lang="en-US" sz="1400" dirty="0"/>
+              <a:rPr lang="en-US" sz="2000" dirty="0"/>
               <a:t>Small-n size made k-means clustering a challenge</a:t>
             </a:r>
           </a:p>
@@ -9089,7 +8880,7 @@
               </a:lnSpc>
             </a:pPr>
             <a:r>
-              <a:rPr lang="en-US" sz="1400" dirty="0"/>
+              <a:rPr lang="en-US" dirty="0"/>
               <a:t>Four clusters: 2000, 2005, 2010, 2015</a:t>
             </a:r>
           </a:p>
@@ -9100,7 +8891,7 @@
               </a:lnSpc>
             </a:pPr>
             <a:r>
-              <a:rPr lang="en-US" sz="1400" dirty="0"/>
+              <a:rPr lang="en-US" dirty="0"/>
               <a:t>Countries became less similar as the millennium progressed</a:t>
             </a:r>
           </a:p>
@@ -9111,17 +8902,9 @@
               </a:lnSpc>
             </a:pPr>
             <a:r>
-              <a:rPr lang="en-US" sz="1400" dirty="0"/>
+              <a:rPr lang="en-US" sz="2000" dirty="0"/>
               <a:t>Maximum height: 4.1 to 7.3</a:t>
             </a:r>
-          </a:p>
-          <a:p>
-            <a:pPr>
-              <a:lnSpc>
-                <a:spcPct val="102000"/>
-              </a:lnSpc>
-            </a:pPr>
-            <a:endParaRPr lang="en-US" sz="1400" dirty="0"/>
           </a:p>
           <a:p>
             <a:pPr>
@@ -9130,7 +8913,7 @@
               </a:lnSpc>
             </a:pPr>
             <a:r>
-              <a:rPr lang="en-US" sz="1400" dirty="0"/>
+              <a:rPr lang="en-US" dirty="0"/>
               <a:t>2010-2015 Dendrograms</a:t>
             </a:r>
           </a:p>
@@ -9141,7 +8924,7 @@
               </a:lnSpc>
             </a:pPr>
             <a:r>
-              <a:rPr lang="en-US" sz="1400" dirty="0"/>
+              <a:rPr lang="en-US" sz="2000" dirty="0"/>
               <a:t>Bakers Gamma correlation: 0.68</a:t>
             </a:r>
           </a:p>
@@ -9152,7 +8935,7 @@
               </a:lnSpc>
             </a:pPr>
             <a:r>
-              <a:rPr lang="en-US" sz="1400" dirty="0"/>
+              <a:rPr lang="en-US" sz="2000" dirty="0"/>
               <a:t>Height increase: 1.24</a:t>
             </a:r>
           </a:p>
@@ -11248,9 +11031,18 @@
           </a:bodyPr>
           <a:lstStyle/>
           <a:p>
+            <a:endParaRPr lang="en-US" dirty="0"/>
+          </a:p>
+          <a:p>
             <a:r>
               <a:rPr lang="en-US" dirty="0"/>
-              <a:t>Policy makers should promote multilateral aid over bilateral aid in food security</a:t>
+              <a:t>The agricultural capital flow should directly target the most vulnerable population</a:t>
+            </a:r>
+          </a:p>
+          <a:p>
+            <a:r>
+              <a:rPr lang="en-US" dirty="0"/>
+              <a:t>Policymakers should promote multilateral aid over bilateral aid in food security</a:t>
             </a:r>
           </a:p>
           <a:p>
@@ -11260,7 +11052,10 @@
             </a:r>
           </a:p>
           <a:p>
-            <a:endParaRPr lang="en-US" dirty="0"/>
+            <a:r>
+              <a:rPr lang="en-US" dirty="0"/>
+              <a:t>Further research should consider the targeting nutritional content and whether gains are experienced equally across the population.</a:t>
+            </a:r>
           </a:p>
           <a:p>
             <a:endParaRPr lang="en-US" dirty="0"/>
@@ -11812,7 +11607,7 @@
         </p:spPr>
         <p:txBody>
           <a:bodyPr>
-            <a:normAutofit/>
+            <a:normAutofit lnSpcReduction="10000"/>
           </a:bodyPr>
           <a:lstStyle/>
           <a:p>
@@ -11822,8 +11617,8 @@
               </a:lnSpc>
             </a:pPr>
             <a:r>
-              <a:rPr lang="en-US" sz="1700"/>
-              <a:t>Globally 821 people suffered from hunger in 2018 (UN).</a:t>
+              <a:rPr lang="en-US" dirty="0"/>
+              <a:t>Globally 821 million people suffered from hunger in 2018 (UN).</a:t>
             </a:r>
           </a:p>
           <a:p>
@@ -11833,7 +11628,7 @@
               </a:lnSpc>
             </a:pPr>
             <a:r>
-              <a:rPr lang="en-US" sz="1700"/>
+              <a:rPr lang="en-US" dirty="0"/>
               <a:t>Global population to feed by 2050: 9 Billion People.</a:t>
             </a:r>
           </a:p>
@@ -11844,7 +11639,7 @@
               </a:lnSpc>
             </a:pPr>
             <a:r>
-              <a:rPr lang="en-US" sz="1700"/>
+              <a:rPr lang="en-US" dirty="0"/>
               <a:t>Causes of food insecurity:</a:t>
             </a:r>
           </a:p>
@@ -11855,8 +11650,8 @@
               </a:lnSpc>
             </a:pPr>
             <a:r>
-              <a:rPr lang="en-US" sz="1700"/>
-              <a:t>Fast population  growth</a:t>
+              <a:rPr lang="en-US" sz="2000" dirty="0"/>
+              <a:t>Fast population growth</a:t>
             </a:r>
           </a:p>
           <a:p>
@@ -11866,7 +11661,7 @@
               </a:lnSpc>
             </a:pPr>
             <a:r>
-              <a:rPr lang="en-US" sz="1700"/>
+              <a:rPr lang="en-US" sz="2000" dirty="0"/>
               <a:t>Climate change</a:t>
             </a:r>
           </a:p>
@@ -11877,7 +11672,7 @@
               </a:lnSpc>
             </a:pPr>
             <a:r>
-              <a:rPr lang="en-US" sz="1700"/>
+              <a:rPr lang="en-US" sz="2000" dirty="0"/>
               <a:t>Water scarcity</a:t>
             </a:r>
           </a:p>
@@ -11888,7 +11683,7 @@
               </a:lnSpc>
             </a:pPr>
             <a:r>
-              <a:rPr lang="en-US" sz="1700"/>
+              <a:rPr lang="en-US" sz="2000" dirty="0"/>
               <a:t>Higher costs of farming</a:t>
             </a:r>
           </a:p>
@@ -11899,7 +11694,7 @@
               </a:lnSpc>
             </a:pPr>
             <a:r>
-              <a:rPr lang="en-US" sz="1700"/>
+              <a:rPr lang="en-US" sz="2000" dirty="0"/>
               <a:t>Political Instability</a:t>
             </a:r>
           </a:p>
@@ -11909,7 +11704,7 @@
                 <a:spcPct val="102000"/>
               </a:lnSpc>
             </a:pPr>
-            <a:endParaRPr lang="en-US" sz="1700"/>
+            <a:endParaRPr lang="en-US" sz="1700" dirty="0"/>
           </a:p>
         </p:txBody>
       </p:sp>
@@ -12689,7 +12484,7 @@
               <a:buChar char="•"/>
             </a:pPr>
             <a:r>
-              <a:rPr lang="en-US" dirty="0">
+              <a:rPr lang="en-US" sz="2000" dirty="0">
                 <a:solidFill>
                   <a:schemeClr val="tx1">
                     <a:lumMod val="85000"/>
@@ -12712,7 +12507,7 @@
               <a:buChar char="o"/>
             </a:pPr>
             <a:r>
-              <a:rPr lang="en-US" dirty="0">
+              <a:rPr lang="en-US" sz="2000" dirty="0">
                 <a:solidFill>
                   <a:schemeClr val="tx1">
                     <a:lumMod val="85000"/>
@@ -12735,7 +12530,7 @@
               <a:buChar char="o"/>
             </a:pPr>
             <a:r>
-              <a:rPr lang="en-US" dirty="0">
+              <a:rPr lang="en-US" sz="2000" dirty="0">
                 <a:solidFill>
                   <a:schemeClr val="tx1">
                     <a:lumMod val="85000"/>
@@ -12744,6 +12539,29 @@
                 </a:solidFill>
               </a:rPr>
               <a:t>Zero Hunger Challenge</a:t>
+            </a:r>
+          </a:p>
+          <a:p>
+            <a:pPr marL="457200" indent="-283464" defTabSz="914400">
+              <a:lnSpc>
+                <a:spcPct val="112000"/>
+              </a:lnSpc>
+              <a:spcBef>
+                <a:spcPts val="900"/>
+              </a:spcBef>
+              <a:buFont typeface="Courier New" panose="02070309020205020404" pitchFamily="49" charset="0"/>
+              <a:buChar char="o"/>
+            </a:pPr>
+            <a:r>
+              <a:rPr lang="en-US" sz="2000" dirty="0">
+                <a:solidFill>
+                  <a:schemeClr val="tx1">
+                    <a:lumMod val="85000"/>
+                    <a:lumOff val="15000"/>
+                  </a:schemeClr>
+                </a:solidFill>
+              </a:rPr>
+              <a:t>Policy makers have direct influence on areas such as bilateral and multilateral aid, as well as import and export regulations</a:t>
             </a:r>
           </a:p>
           <a:p>
@@ -12758,7 +12576,7 @@
               <a:buChar char="o"/>
             </a:pPr>
             <a:r>
-              <a:rPr lang="en-US" dirty="0">
+              <a:rPr lang="en-US" sz="2000" dirty="0">
                 <a:solidFill>
                   <a:schemeClr val="tx1">
                     <a:lumMod val="85000"/>
@@ -12781,7 +12599,7 @@
               <a:buChar char="o"/>
             </a:pPr>
             <a:r>
-              <a:rPr lang="en-US" dirty="0">
+              <a:rPr lang="en-US" sz="2000" dirty="0">
                 <a:solidFill>
                   <a:schemeClr val="tx1">
                     <a:lumMod val="85000"/>
@@ -12793,27 +12611,22 @@
             </a:r>
           </a:p>
           <a:p>
-            <a:pPr marL="457200" indent="-283464" defTabSz="914400">
+            <a:pPr marL="630936" lvl="1" defTabSz="914400">
               <a:lnSpc>
                 <a:spcPct val="112000"/>
               </a:lnSpc>
               <a:spcBef>
                 <a:spcPts val="900"/>
               </a:spcBef>
-              <a:buFont typeface="Courier New" panose="02070309020205020404" pitchFamily="49" charset="0"/>
-              <a:buChar char="o"/>
             </a:pPr>
-            <a:r>
-              <a:rPr lang="en-US" dirty="0">
-                <a:solidFill>
-                  <a:schemeClr val="tx1">
-                    <a:lumMod val="85000"/>
-                    <a:lumOff val="15000"/>
-                  </a:schemeClr>
-                </a:solidFill>
-              </a:rPr>
-              <a:t>Policy makers have direct influence on areas such as bilateral and multilateral aid, as well as import and export regulations</a:t>
-            </a:r>
+            <a:endParaRPr lang="en-US" sz="2000" dirty="0">
+              <a:solidFill>
+                <a:schemeClr val="tx1">
+                  <a:lumMod val="85000"/>
+                  <a:lumOff val="15000"/>
+                </a:schemeClr>
+              </a:solidFill>
+            </a:endParaRPr>
           </a:p>
         </p:txBody>
       </p:sp>
@@ -13302,7 +13115,7 @@
             <p:ph idx="1"/>
             <p:extLst>
               <p:ext uri="{D42A27DB-BD31-4B8C-83A1-F6EECF244321}">
-                <p14:modId xmlns:p14="http://schemas.microsoft.com/office/powerpoint/2010/main" val="2991171961"/>
+                <p14:modId xmlns:p14="http://schemas.microsoft.com/office/powerpoint/2010/main" val="3270577396"/>
               </p:ext>
             </p:extLst>
           </p:nvPr>
@@ -13365,7 +13178,7 @@
         </p:nvSpPr>
         <p:spPr>
           <a:xfrm>
-            <a:off x="762000" y="557784"/>
+            <a:off x="1914525" y="557784"/>
             <a:ext cx="8362950" cy="4956048"/>
           </a:xfrm>
         </p:spPr>
@@ -13373,6 +13186,7 @@
           <a:bodyPr/>
           <a:lstStyle/>
           <a:p>
+            <a:pPr algn="ctr"/>
             <a:r>
               <a:rPr lang="en-US" dirty="0"/>
               <a:t>Data Description</a:t>
@@ -13398,8 +13212,8 @@
         </p:nvSpPr>
         <p:spPr>
           <a:xfrm>
-            <a:off x="7088658" y="1310540"/>
-            <a:ext cx="6869887" cy="914400"/>
+            <a:off x="6096000" y="1310540"/>
+            <a:ext cx="5888805" cy="914400"/>
           </a:xfrm>
         </p:spPr>
         <p:txBody>
@@ -13431,8 +13245,8 @@
         </p:nvSpPr>
         <p:spPr>
           <a:xfrm>
-            <a:off x="7088658" y="2279146"/>
-            <a:ext cx="6869887" cy="1755648"/>
+            <a:off x="5753528" y="2400793"/>
+            <a:ext cx="5546332" cy="3268210"/>
           </a:xfrm>
         </p:spPr>
         <p:txBody>
@@ -13442,69 +13256,63 @@
           <a:lstStyle/>
           <a:p>
             <a:r>
-              <a:rPr lang="en-US" sz="1800" dirty="0"/>
-              <a:t>bilateral</a:t>
+              <a:rPr lang="en-US" b="1" dirty="0"/>
+              <a:t>bilateral: </a:t>
             </a:r>
-          </a:p>
-          <a:p>
-            <a:pPr lvl="1"/>
             <a:r>
-              <a:rPr lang="en-US" dirty="0"/>
+              <a:rPr lang="en-US" sz="2000" dirty="0"/>
               <a:t>Net bilateral agriculture development aid</a:t>
             </a:r>
           </a:p>
           <a:p>
             <a:r>
-              <a:rPr lang="en-US" sz="1800" dirty="0"/>
-              <a:t>multilateral</a:t>
+              <a:rPr lang="en-US" b="1" dirty="0"/>
+              <a:t>multilateral: </a:t>
             </a:r>
-          </a:p>
-          <a:p>
-            <a:pPr lvl="1"/>
             <a:r>
-              <a:rPr lang="en-US" dirty="0"/>
+              <a:rPr lang="en-US" sz="2000" dirty="0"/>
               <a:t>Net multilateral agriculture development aid</a:t>
             </a:r>
           </a:p>
           <a:p>
             <a:r>
-              <a:rPr lang="en-US" sz="1800" dirty="0" err="1"/>
+              <a:rPr lang="en-US" b="1" dirty="0" err="1"/>
               <a:t>fdi_net</a:t>
             </a:r>
-            <a:endParaRPr lang="en-US" sz="1800" dirty="0"/>
-          </a:p>
-          <a:p>
-            <a:pPr lvl="1"/>
             <a:r>
-              <a:rPr lang="en-US" dirty="0"/>
+              <a:rPr lang="en-US" sz="1800" b="1" dirty="0"/>
+              <a:t>: </a:t>
+            </a:r>
+            <a:r>
+              <a:rPr lang="en-US" sz="2000" dirty="0"/>
               <a:t>Net agricultural FDI</a:t>
             </a:r>
           </a:p>
           <a:p>
             <a:r>
-              <a:rPr lang="en-US" sz="1800" dirty="0" err="1"/>
+              <a:rPr lang="en-US" b="1" dirty="0" err="1"/>
               <a:t>exp_value</a:t>
             </a:r>
-            <a:endParaRPr lang="en-US" sz="1800" dirty="0"/>
-          </a:p>
-          <a:p>
-            <a:pPr lvl="1"/>
             <a:r>
-              <a:rPr lang="en-US" dirty="0"/>
+              <a:rPr lang="en-US" sz="1800" b="1" dirty="0"/>
+              <a:t>: </a:t>
+            </a:r>
+            <a:r>
+              <a:rPr lang="en-US" sz="2000" dirty="0"/>
               <a:t>Value of agricultural exports</a:t>
             </a:r>
           </a:p>
           <a:p>
             <a:r>
-              <a:rPr lang="en-US" sz="1800" dirty="0" err="1"/>
+              <a:rPr lang="en-US" b="1" dirty="0" err="1"/>
               <a:t>imp_value</a:t>
             </a:r>
-            <a:endParaRPr lang="en-US" sz="1800" dirty="0"/>
-          </a:p>
-          <a:p>
-            <a:pPr lvl="1"/>
             <a:r>
-              <a:rPr lang="en-US" dirty="0"/>
+              <a:rPr lang="en-US" sz="1800" b="1" dirty="0"/>
+              <a:t>: </a:t>
+            </a:r>
+            <a:r>
+              <a:rPr lang="en-US" sz="2000" dirty="0"/>
               <a:t>Value of agricultural exports</a:t>
             </a:r>
           </a:p>
@@ -13528,8 +13336,8 @@
         </p:nvSpPr>
         <p:spPr>
           <a:xfrm>
-            <a:off x="762000" y="1310644"/>
-            <a:ext cx="6248400" cy="914400"/>
+            <a:off x="207196" y="1310644"/>
+            <a:ext cx="5450950" cy="914400"/>
           </a:xfrm>
         </p:spPr>
         <p:txBody>
@@ -13561,8 +13369,8 @@
         </p:nvSpPr>
         <p:spPr>
           <a:xfrm>
-            <a:off x="762000" y="2279250"/>
-            <a:ext cx="6245352" cy="1755648"/>
+            <a:off x="207196" y="2279250"/>
+            <a:ext cx="5546332" cy="1755648"/>
           </a:xfrm>
         </p:spPr>
         <p:txBody>
@@ -13572,42 +13380,42 @@
           <a:lstStyle/>
           <a:p>
             <a:r>
-              <a:rPr lang="en-US" sz="1800" dirty="0" err="1"/>
+              <a:rPr lang="en-US" b="1" dirty="0" err="1"/>
               <a:t>adesa</a:t>
             </a:r>
-            <a:endParaRPr lang="en-US" sz="1800" dirty="0"/>
+            <a:endParaRPr lang="en-US" b="1" dirty="0"/>
           </a:p>
           <a:p>
             <a:pPr lvl="1"/>
             <a:r>
-              <a:rPr lang="en-US" dirty="0"/>
+              <a:rPr lang="en-US" sz="2000" dirty="0"/>
               <a:t>Average Daily Energy Supply Adequacy</a:t>
             </a:r>
           </a:p>
           <a:p>
             <a:pPr lvl="1"/>
             <a:r>
-              <a:rPr lang="en-US" dirty="0"/>
+              <a:rPr lang="en-US" sz="2000" dirty="0"/>
               <a:t>Is there, on average, enough food in the country for each person?</a:t>
             </a:r>
           </a:p>
           <a:p>
             <a:r>
-              <a:rPr lang="en-US" sz="1800" dirty="0"/>
+              <a:rPr lang="en-US" b="1" dirty="0"/>
               <a:t>depth</a:t>
             </a:r>
           </a:p>
           <a:p>
             <a:pPr lvl="1"/>
             <a:r>
-              <a:rPr lang="en-US" dirty="0"/>
+              <a:rPr lang="en-US" sz="2000" dirty="0"/>
               <a:t>Depth of Food Deficit</a:t>
             </a:r>
           </a:p>
           <a:p>
             <a:pPr lvl="1"/>
             <a:r>
-              <a:rPr lang="en-US" dirty="0"/>
+              <a:rPr lang="en-US" sz="2000" dirty="0"/>
               <a:t>The number of kilocalories per day an individual is from caloric sufficiency</a:t>
             </a:r>
           </a:p>
